--- a/doc/ppt/第二阶段/9.0 nginx.conf 核心配置.pptx
+++ b/doc/ppt/第二阶段/9.0 nginx.conf 核心配置.pptx
@@ -9,6 +9,8 @@
     <p:sldId id="257" r:id="rId3"/>
     <p:sldId id="258" r:id="rId4"/>
     <p:sldId id="259" r:id="rId5"/>
+    <p:sldId id="260" r:id="rId6"/>
+    <p:sldId id="261" r:id="rId7"/>
   </p:sldIdLst>
   <p:sldSz cx="12192000" cy="6858000"/>
   <p:notesSz cx="6858000" cy="9144000"/>
@@ -3152,6 +3154,78 @@
           <a:chExt cx="0" cy="0"/>
         </a:xfrm>
       </p:grpSpPr>
+      <p:pic>
+        <p:nvPicPr>
+          <p:cNvPr id="2" name="图片 1"/>
+          <p:cNvPicPr>
+            <a:picLocks noChangeAspect="1"/>
+          </p:cNvPicPr>
+          <p:nvPr/>
+        </p:nvPicPr>
+        <p:blipFill>
+          <a:blip r:embed="rId2"/>
+          <a:stretch>
+            <a:fillRect/>
+          </a:stretch>
+        </p:blipFill>
+        <p:spPr>
+          <a:xfrm>
+            <a:off x="1210883" y="419100"/>
+            <a:ext cx="4000500" cy="533400"/>
+          </a:xfrm>
+          <a:prstGeom prst="rect">
+            <a:avLst/>
+          </a:prstGeom>
+        </p:spPr>
+      </p:pic>
+      <p:pic>
+        <p:nvPicPr>
+          <p:cNvPr id="3" name="图片 2"/>
+          <p:cNvPicPr>
+            <a:picLocks noChangeAspect="1"/>
+          </p:cNvPicPr>
+          <p:nvPr/>
+        </p:nvPicPr>
+        <p:blipFill>
+          <a:blip r:embed="rId3"/>
+          <a:stretch>
+            <a:fillRect/>
+          </a:stretch>
+        </p:blipFill>
+        <p:spPr>
+          <a:xfrm>
+            <a:off x="1210883" y="1532854"/>
+            <a:ext cx="8048625" cy="495300"/>
+          </a:xfrm>
+          <a:prstGeom prst="rect">
+            <a:avLst/>
+          </a:prstGeom>
+        </p:spPr>
+      </p:pic>
+      <p:pic>
+        <p:nvPicPr>
+          <p:cNvPr id="4" name="图片 3"/>
+          <p:cNvPicPr>
+            <a:picLocks noChangeAspect="1"/>
+          </p:cNvPicPr>
+          <p:nvPr/>
+        </p:nvPicPr>
+        <p:blipFill>
+          <a:blip r:embed="rId4"/>
+          <a:stretch>
+            <a:fillRect/>
+          </a:stretch>
+        </p:blipFill>
+        <p:spPr>
+          <a:xfrm>
+            <a:off x="1210883" y="3465289"/>
+            <a:ext cx="6400800" cy="1266825"/>
+          </a:xfrm>
+          <a:prstGeom prst="rect">
+            <a:avLst/>
+          </a:prstGeom>
+        </p:spPr>
+      </p:pic>
     </p:spTree>
     <p:extLst>
       <p:ext uri="{BB962C8B-B14F-4D97-AF65-F5344CB8AC3E}">
@@ -3182,10 +3256,214 @@
           <a:chExt cx="0" cy="0"/>
         </a:xfrm>
       </p:grpSpPr>
+      <p:pic>
+        <p:nvPicPr>
+          <p:cNvPr id="2" name="图片 1"/>
+          <p:cNvPicPr>
+            <a:picLocks noChangeAspect="1"/>
+          </p:cNvPicPr>
+          <p:nvPr/>
+        </p:nvPicPr>
+        <p:blipFill>
+          <a:blip r:embed="rId2"/>
+          <a:stretch>
+            <a:fillRect/>
+          </a:stretch>
+        </p:blipFill>
+        <p:spPr>
+          <a:xfrm>
+            <a:off x="2285598" y="275152"/>
+            <a:ext cx="5276850" cy="6153150"/>
+          </a:xfrm>
+          <a:prstGeom prst="rect">
+            <a:avLst/>
+          </a:prstGeom>
+        </p:spPr>
+      </p:pic>
     </p:spTree>
     <p:extLst>
       <p:ext uri="{BB962C8B-B14F-4D97-AF65-F5344CB8AC3E}">
         <p14:creationId xmlns:p14="http://schemas.microsoft.com/office/powerpoint/2010/main" val="514196311"/>
+      </p:ext>
+    </p:extLst>
+  </p:cSld>
+  <p:clrMapOvr>
+    <a:masterClrMapping/>
+  </p:clrMapOvr>
+</p:sld>
+</file>
+
+<file path=ppt/slides/slide5.xml><?xml version="1.0" encoding="utf-8"?>
+<p:sld xmlns:a="http://schemas.openxmlformats.org/drawingml/2006/main" xmlns:r="http://schemas.openxmlformats.org/officeDocument/2006/relationships" xmlns:p="http://schemas.openxmlformats.org/presentationml/2006/main">
+  <p:cSld>
+    <p:spTree>
+      <p:nvGrpSpPr>
+        <p:cNvPr id="1" name=""/>
+        <p:cNvGrpSpPr/>
+        <p:nvPr/>
+      </p:nvGrpSpPr>
+      <p:grpSpPr>
+        <a:xfrm>
+          <a:off x="0" y="0"/>
+          <a:ext cx="0" cy="0"/>
+          <a:chOff x="0" y="0"/>
+          <a:chExt cx="0" cy="0"/>
+        </a:xfrm>
+      </p:grpSpPr>
+      <p:pic>
+        <p:nvPicPr>
+          <p:cNvPr id="2" name="图片 1"/>
+          <p:cNvPicPr>
+            <a:picLocks noChangeAspect="1"/>
+          </p:cNvPicPr>
+          <p:nvPr/>
+        </p:nvPicPr>
+        <p:blipFill>
+          <a:blip r:embed="rId2"/>
+          <a:stretch>
+            <a:fillRect/>
+          </a:stretch>
+        </p:blipFill>
+        <p:spPr>
+          <a:xfrm>
+            <a:off x="1047817" y="579147"/>
+            <a:ext cx="5305425" cy="857250"/>
+          </a:xfrm>
+          <a:prstGeom prst="rect">
+            <a:avLst/>
+          </a:prstGeom>
+        </p:spPr>
+      </p:pic>
+      <p:pic>
+        <p:nvPicPr>
+          <p:cNvPr id="3" name="图片 2"/>
+          <p:cNvPicPr>
+            <a:picLocks noChangeAspect="1"/>
+          </p:cNvPicPr>
+          <p:nvPr/>
+        </p:nvPicPr>
+        <p:blipFill>
+          <a:blip r:embed="rId3"/>
+          <a:stretch>
+            <a:fillRect/>
+          </a:stretch>
+        </p:blipFill>
+        <p:spPr>
+          <a:xfrm>
+            <a:off x="1047817" y="2180017"/>
+            <a:ext cx="6591300" cy="952500"/>
+          </a:xfrm>
+          <a:prstGeom prst="rect">
+            <a:avLst/>
+          </a:prstGeom>
+        </p:spPr>
+      </p:pic>
+      <p:pic>
+        <p:nvPicPr>
+          <p:cNvPr id="4" name="图片 3"/>
+          <p:cNvPicPr>
+            <a:picLocks noChangeAspect="1"/>
+          </p:cNvPicPr>
+          <p:nvPr/>
+        </p:nvPicPr>
+        <p:blipFill>
+          <a:blip r:embed="rId4"/>
+          <a:stretch>
+            <a:fillRect/>
+          </a:stretch>
+        </p:blipFill>
+        <p:spPr>
+          <a:xfrm>
+            <a:off x="1047817" y="3975614"/>
+            <a:ext cx="4238625" cy="581025"/>
+          </a:xfrm>
+          <a:prstGeom prst="rect">
+            <a:avLst/>
+          </a:prstGeom>
+        </p:spPr>
+      </p:pic>
+    </p:spTree>
+    <p:extLst>
+      <p:ext uri="{BB962C8B-B14F-4D97-AF65-F5344CB8AC3E}">
+        <p14:creationId xmlns:p14="http://schemas.microsoft.com/office/powerpoint/2010/main" val="3378814145"/>
+      </p:ext>
+    </p:extLst>
+  </p:cSld>
+  <p:clrMapOvr>
+    <a:masterClrMapping/>
+  </p:clrMapOvr>
+</p:sld>
+</file>
+
+<file path=ppt/slides/slide6.xml><?xml version="1.0" encoding="utf-8"?>
+<p:sld xmlns:a="http://schemas.openxmlformats.org/drawingml/2006/main" xmlns:r="http://schemas.openxmlformats.org/officeDocument/2006/relationships" xmlns:p="http://schemas.openxmlformats.org/presentationml/2006/main">
+  <p:cSld>
+    <p:spTree>
+      <p:nvGrpSpPr>
+        <p:cNvPr id="1" name=""/>
+        <p:cNvGrpSpPr/>
+        <p:nvPr/>
+      </p:nvGrpSpPr>
+      <p:grpSpPr>
+        <a:xfrm>
+          <a:off x="0" y="0"/>
+          <a:ext cx="0" cy="0"/>
+          <a:chOff x="0" y="0"/>
+          <a:chExt cx="0" cy="0"/>
+        </a:xfrm>
+      </p:grpSpPr>
+      <p:pic>
+        <p:nvPicPr>
+          <p:cNvPr id="2" name="图片 1"/>
+          <p:cNvPicPr>
+            <a:picLocks noChangeAspect="1"/>
+          </p:cNvPicPr>
+          <p:nvPr/>
+        </p:nvPicPr>
+        <p:blipFill>
+          <a:blip r:embed="rId2"/>
+          <a:stretch>
+            <a:fillRect/>
+          </a:stretch>
+        </p:blipFill>
+        <p:spPr>
+          <a:xfrm>
+            <a:off x="1092087" y="619796"/>
+            <a:ext cx="5191125" cy="3429000"/>
+          </a:xfrm>
+          <a:prstGeom prst="rect">
+            <a:avLst/>
+          </a:prstGeom>
+        </p:spPr>
+      </p:pic>
+      <p:pic>
+        <p:nvPicPr>
+          <p:cNvPr id="3" name="图片 2"/>
+          <p:cNvPicPr>
+            <a:picLocks noChangeAspect="1"/>
+          </p:cNvPicPr>
+          <p:nvPr/>
+        </p:nvPicPr>
+        <p:blipFill>
+          <a:blip r:embed="rId3"/>
+          <a:stretch>
+            <a:fillRect/>
+          </a:stretch>
+        </p:blipFill>
+        <p:spPr>
+          <a:xfrm>
+            <a:off x="1092087" y="4825620"/>
+            <a:ext cx="3114675" cy="581025"/>
+          </a:xfrm>
+          <a:prstGeom prst="rect">
+            <a:avLst/>
+          </a:prstGeom>
+        </p:spPr>
+      </p:pic>
+    </p:spTree>
+    <p:extLst>
+      <p:ext uri="{BB962C8B-B14F-4D97-AF65-F5344CB8AC3E}">
+        <p14:creationId xmlns:p14="http://schemas.microsoft.com/office/powerpoint/2010/main" val="184238559"/>
       </p:ext>
     </p:extLst>
   </p:cSld>
